--- a/howtowork/fig.pptx
+++ b/howtowork/fig.pptx
@@ -3155,6 +3155,99 @@
           </a:p>
         </p:txBody>
       </p:sp>
+      <p:sp>
+        <p:nvSpPr>
+          <p:cNvPr id="22" name="テキスト ボックス 21"/>
+          <p:cNvSpPr txBox="1"/>
+          <p:nvPr/>
+        </p:nvSpPr>
+        <p:spPr>
+          <a:xfrm>
+            <a:off x="287524" y="4746630"/>
+            <a:ext cx="2520280" cy="338554"/>
+          </a:xfrm>
+          <a:prstGeom prst="rect">
+            <a:avLst/>
+          </a:prstGeom>
+          <a:noFill/>
+        </p:spPr>
+        <p:txBody>
+          <a:bodyPr wrap="square" rtlCol="0">
+            <a:spAutoFit/>
+          </a:bodyPr>
+          <a:lstStyle/>
+          <a:p>
+            <a:pPr algn="ctr"/>
+            <a:r>
+              <a:rPr lang="en-US" altLang="ja-JP" sz="1600" dirty="0" smtClean="0"/>
+              <a:t>Assembly Language</a:t>
+            </a:r>
+            <a:endParaRPr kumimoji="1" lang="ja-JP" altLang="en-US" sz="1600" dirty="0"/>
+          </a:p>
+        </p:txBody>
+      </p:sp>
+      <p:sp>
+        <p:nvSpPr>
+          <p:cNvPr id="23" name="テキスト ボックス 22"/>
+          <p:cNvSpPr txBox="1"/>
+          <p:nvPr/>
+        </p:nvSpPr>
+        <p:spPr>
+          <a:xfrm>
+            <a:off x="306149" y="6140043"/>
+            <a:ext cx="2520280" cy="338554"/>
+          </a:xfrm>
+          <a:prstGeom prst="rect">
+            <a:avLst/>
+          </a:prstGeom>
+          <a:noFill/>
+        </p:spPr>
+        <p:txBody>
+          <a:bodyPr wrap="square" rtlCol="0">
+            <a:spAutoFit/>
+          </a:bodyPr>
+          <a:lstStyle/>
+          <a:p>
+            <a:pPr algn="ctr"/>
+            <a:r>
+              <a:rPr lang="en-US" altLang="ja-JP" sz="1600" dirty="0" smtClean="0"/>
+              <a:t>Machine Language</a:t>
+            </a:r>
+            <a:endParaRPr kumimoji="1" lang="ja-JP" altLang="en-US" sz="1600" dirty="0"/>
+          </a:p>
+        </p:txBody>
+      </p:sp>
+      <p:sp>
+        <p:nvSpPr>
+          <p:cNvPr id="24" name="テキスト ボックス 23"/>
+          <p:cNvSpPr txBox="1"/>
+          <p:nvPr/>
+        </p:nvSpPr>
+        <p:spPr>
+          <a:xfrm>
+            <a:off x="287524" y="1008893"/>
+            <a:ext cx="2520280" cy="338554"/>
+          </a:xfrm>
+          <a:prstGeom prst="rect">
+            <a:avLst/>
+          </a:prstGeom>
+          <a:noFill/>
+        </p:spPr>
+        <p:txBody>
+          <a:bodyPr wrap="square" rtlCol="0">
+            <a:spAutoFit/>
+          </a:bodyPr>
+          <a:lstStyle/>
+          <a:p>
+            <a:pPr algn="ctr"/>
+            <a:r>
+              <a:rPr kumimoji="1" lang="en-US" altLang="ja-JP" sz="1600" dirty="0" smtClean="0"/>
+              <a:t>Programming Language</a:t>
+            </a:r>
+            <a:endParaRPr kumimoji="1" lang="ja-JP" altLang="en-US" sz="1600" dirty="0"/>
+          </a:p>
+        </p:txBody>
+      </p:sp>
     </p:spTree>
     <p:extLst>
       <p:ext uri="{BB962C8B-B14F-4D97-AF65-F5344CB8AC3E}">

--- a/howtowork/fig.pptx
+++ b/howtowork/fig.pptx
@@ -495,7 +495,7 @@
         </p:nvSpPr>
         <p:spPr>
           <a:xfrm>
-            <a:off x="3851920" y="548681"/>
+            <a:off x="3851920" y="116633"/>
             <a:ext cx="4320480" cy="720080"/>
           </a:xfrm>
           <a:prstGeom prst="rect">
@@ -541,7 +541,7 @@
         </p:nvCxnSpPr>
         <p:spPr>
           <a:xfrm>
-            <a:off x="4572000" y="548681"/>
+            <a:off x="4572000" y="116633"/>
             <a:ext cx="0" cy="720080"/>
           </a:xfrm>
           <a:prstGeom prst="line">
@@ -576,7 +576,7 @@
         </p:nvCxnSpPr>
         <p:spPr>
           <a:xfrm>
-            <a:off x="5292080" y="548681"/>
+            <a:off x="5292080" y="116633"/>
             <a:ext cx="0" cy="720080"/>
           </a:xfrm>
           <a:prstGeom prst="line">
@@ -611,7 +611,7 @@
         </p:nvCxnSpPr>
         <p:spPr>
           <a:xfrm>
-            <a:off x="6012160" y="548681"/>
+            <a:off x="6012160" y="116633"/>
             <a:ext cx="0" cy="720080"/>
           </a:xfrm>
           <a:prstGeom prst="line">
@@ -646,7 +646,7 @@
         </p:nvCxnSpPr>
         <p:spPr>
           <a:xfrm>
-            <a:off x="6732240" y="548681"/>
+            <a:off x="6732240" y="116633"/>
             <a:ext cx="0" cy="720080"/>
           </a:xfrm>
           <a:prstGeom prst="line">
@@ -681,7 +681,7 @@
         </p:nvCxnSpPr>
         <p:spPr>
           <a:xfrm>
-            <a:off x="7452320" y="548681"/>
+            <a:off x="7452320" y="116633"/>
             <a:ext cx="0" cy="720080"/>
           </a:xfrm>
           <a:prstGeom prst="line">
@@ -716,7 +716,7 @@
         </p:nvCxnSpPr>
         <p:spPr>
           <a:xfrm>
-            <a:off x="8172400" y="548681"/>
+            <a:off x="8172400" y="116633"/>
             <a:ext cx="0" cy="720080"/>
           </a:xfrm>
           <a:prstGeom prst="line">
@@ -751,7 +751,7 @@
         </p:nvCxnSpPr>
         <p:spPr>
           <a:xfrm>
-            <a:off x="8172400" y="1268761"/>
+            <a:off x="8172400" y="836713"/>
             <a:ext cx="720080" cy="0"/>
           </a:xfrm>
           <a:prstGeom prst="line">
@@ -787,7 +787,7 @@
         </p:nvCxnSpPr>
         <p:spPr>
           <a:xfrm>
-            <a:off x="8172400" y="548681"/>
+            <a:off x="8172400" y="116633"/>
             <a:ext cx="720080" cy="0"/>
           </a:xfrm>
           <a:prstGeom prst="line">
@@ -823,7 +823,7 @@
         </p:nvSpPr>
         <p:spPr>
           <a:xfrm>
-            <a:off x="3851920" y="548681"/>
+            <a:off x="3851920" y="116633"/>
             <a:ext cx="720080" cy="707886"/>
           </a:xfrm>
           <a:prstGeom prst="rect">
@@ -854,7 +854,7 @@
         </p:nvSpPr>
         <p:spPr>
           <a:xfrm>
-            <a:off x="4572000" y="548681"/>
+            <a:off x="4572000" y="116633"/>
             <a:ext cx="720080" cy="707886"/>
           </a:xfrm>
           <a:prstGeom prst="rect">
@@ -885,7 +885,7 @@
         </p:nvSpPr>
         <p:spPr>
           <a:xfrm>
-            <a:off x="5292080" y="560875"/>
+            <a:off x="5292080" y="128827"/>
             <a:ext cx="720080" cy="707886"/>
           </a:xfrm>
           <a:prstGeom prst="rect">
@@ -916,7 +916,7 @@
         </p:nvSpPr>
         <p:spPr>
           <a:xfrm>
-            <a:off x="6012160" y="560875"/>
+            <a:off x="6012160" y="128827"/>
             <a:ext cx="720080" cy="707886"/>
           </a:xfrm>
           <a:prstGeom prst="rect">
@@ -947,7 +947,7 @@
         </p:nvSpPr>
         <p:spPr>
           <a:xfrm>
-            <a:off x="6732240" y="548680"/>
+            <a:off x="6732240" y="116632"/>
             <a:ext cx="720080" cy="707886"/>
           </a:xfrm>
           <a:prstGeom prst="rect">
@@ -978,7 +978,7 @@
         </p:nvSpPr>
         <p:spPr>
           <a:xfrm>
-            <a:off x="7452320" y="548680"/>
+            <a:off x="7452320" y="116632"/>
             <a:ext cx="720080" cy="707886"/>
           </a:xfrm>
           <a:prstGeom prst="rect">
@@ -1009,7 +1009,7 @@
         </p:nvSpPr>
         <p:spPr>
           <a:xfrm>
-            <a:off x="2339752" y="620689"/>
+            <a:off x="2339752" y="188641"/>
             <a:ext cx="1415772" cy="584775"/>
           </a:xfrm>
           <a:prstGeom prst="rect">
@@ -1411,7 +1411,7 @@
         </p:nvSpPr>
         <p:spPr>
           <a:xfrm>
-            <a:off x="3851920" y="1996637"/>
+            <a:off x="3851920" y="1636596"/>
             <a:ext cx="720080" cy="723803"/>
           </a:xfrm>
           <a:prstGeom prst="rect">
@@ -1467,7 +1467,7 @@
         </p:nvSpPr>
         <p:spPr>
           <a:xfrm>
-            <a:off x="3855056" y="2001035"/>
+            <a:off x="3855056" y="1640994"/>
             <a:ext cx="720080" cy="707886"/>
           </a:xfrm>
           <a:prstGeom prst="rect">
@@ -1498,7 +1498,7 @@
         </p:nvGrpSpPr>
         <p:grpSpPr>
           <a:xfrm>
-            <a:off x="4572000" y="1988841"/>
+            <a:off x="4572000" y="1628800"/>
             <a:ext cx="1440160" cy="731599"/>
             <a:chOff x="4572000" y="1988840"/>
             <a:chExt cx="1440160" cy="731599"/>
@@ -1631,7 +1631,7 @@
         </p:nvSpPr>
         <p:spPr>
           <a:xfrm>
-            <a:off x="4643616" y="1564029"/>
+            <a:off x="4643616" y="1131981"/>
             <a:ext cx="3672800" cy="338554"/>
           </a:xfrm>
           <a:prstGeom prst="rect">
@@ -1661,7 +1661,7 @@
         </p:nvCxnSpPr>
         <p:spPr>
           <a:xfrm>
-            <a:off x="3851920" y="1412777"/>
+            <a:off x="3851920" y="980729"/>
             <a:ext cx="2160240" cy="0"/>
           </a:xfrm>
           <a:prstGeom prst="straightConnector1">
@@ -1698,7 +1698,7 @@
         </p:nvSpPr>
         <p:spPr>
           <a:xfrm>
-            <a:off x="3995936" y="1549780"/>
+            <a:off x="3995936" y="1117732"/>
             <a:ext cx="432440" cy="367053"/>
           </a:xfrm>
           <a:prstGeom prst="downArrow">
@@ -2424,6 +2424,66 @@
             <a:r>
               <a:rPr kumimoji="1" lang="ja-JP" altLang="en-US" dirty="0" smtClean="0"/>
               <a:t>データを演算器に投げる</a:t>
+            </a:r>
+            <a:endParaRPr kumimoji="1" lang="ja-JP" altLang="en-US" dirty="0"/>
+          </a:p>
+        </p:txBody>
+      </p:sp>
+      <p:sp>
+        <p:nvSpPr>
+          <p:cNvPr id="56" name="テキスト ボックス 55"/>
+          <p:cNvSpPr txBox="1"/>
+          <p:nvPr/>
+        </p:nvSpPr>
+        <p:spPr>
+          <a:xfrm>
+            <a:off x="3707904" y="2348880"/>
+            <a:ext cx="883255" cy="369332"/>
+          </a:xfrm>
+          <a:prstGeom prst="rect">
+            <a:avLst/>
+          </a:prstGeom>
+          <a:noFill/>
+        </p:spPr>
+        <p:txBody>
+          <a:bodyPr wrap="none" rtlCol="0">
+            <a:spAutoFit/>
+          </a:bodyPr>
+          <a:lstStyle/>
+          <a:p>
+            <a:r>
+              <a:rPr kumimoji="1" lang="en-US" altLang="ja-JP" dirty="0" smtClean="0"/>
+              <a:t>opcode</a:t>
+            </a:r>
+            <a:endParaRPr kumimoji="1" lang="ja-JP" altLang="en-US" dirty="0"/>
+          </a:p>
+        </p:txBody>
+      </p:sp>
+      <p:sp>
+        <p:nvSpPr>
+          <p:cNvPr id="57" name="テキスト ボックス 56"/>
+          <p:cNvSpPr txBox="1"/>
+          <p:nvPr/>
+        </p:nvSpPr>
+        <p:spPr>
+          <a:xfrm>
+            <a:off x="4912881" y="2348880"/>
+            <a:ext cx="973408" cy="369332"/>
+          </a:xfrm>
+          <a:prstGeom prst="rect">
+            <a:avLst/>
+          </a:prstGeom>
+          <a:noFill/>
+        </p:spPr>
+        <p:txBody>
+          <a:bodyPr wrap="none" rtlCol="0">
+            <a:spAutoFit/>
+          </a:bodyPr>
+          <a:lstStyle/>
+          <a:p>
+            <a:r>
+              <a:rPr kumimoji="1" lang="en-US" altLang="ja-JP" smtClean="0"/>
+              <a:t>operand</a:t>
             </a:r>
             <a:endParaRPr kumimoji="1" lang="ja-JP" altLang="en-US" dirty="0"/>
           </a:p>
